--- a/docs/Prilozhenie 1 k individualnomu zadaniyu UP. PM.03 (shablon otcheta dlya zapolneniya).pptx
+++ b/docs/Prilozhenie 1 k individualnomu zadaniyu UP. PM.03 (shablon otcheta dlya zapolneniya).pptx
@@ -782,7 +782,7 @@
         <p:txBody>
           <a:bodyPr/>
           <a:p>
-            <a:fld id="{9E03E1E7-9288-42E3-A139-F51037B37029}" type="slidenum">
+            <a:fld id="{CBC07B0B-73CB-4026-AF9F-E5C5A17AD88D}" type="slidenum">
               <a:t>&lt;#&gt;</a:t>
             </a:fld>
           </a:p>
@@ -904,7 +904,7 @@
         <p:txBody>
           <a:bodyPr/>
           <a:p>
-            <a:fld id="{BD5124A3-7448-4FFB-8655-C334E24DAE27}" type="slidenum">
+            <a:fld id="{D3A27B6E-F7B9-4274-9A66-8AD2FFF06D67}" type="slidenum">
               <a:t>&lt;#&gt;</a:t>
             </a:fld>
           </a:p>
@@ -1029,7 +1029,7 @@
         <p:txBody>
           <a:bodyPr/>
           <a:p>
-            <a:fld id="{4F931384-D1E7-412F-A20B-23724EFE3872}" type="slidenum">
+            <a:fld id="{63C925FE-8409-4E8E-930B-78755D05C5BE}" type="slidenum">
               <a:t>&lt;#&gt;</a:t>
             </a:fld>
           </a:p>
@@ -1197,7 +1197,7 @@
         <p:txBody>
           <a:bodyPr/>
           <a:p>
-            <a:fld id="{7584C194-6F56-42BF-86A3-A04925229A63}" type="slidenum">
+            <a:fld id="{C67BF9DC-7F46-403B-866D-3058A4EB39F5}" type="slidenum">
               <a:t>&lt;#&gt;</a:t>
             </a:fld>
           </a:p>
@@ -1279,7 +1279,7 @@
         <p:txBody>
           <a:bodyPr/>
           <a:p>
-            <a:fld id="{854FBDF5-B9AD-4374-B6DD-AD318DC74694}" type="slidenum">
+            <a:fld id="{FC3224A5-0033-4B1D-868A-54CB25C8F62C}" type="slidenum">
               <a:t>&lt;#&gt;</a:t>
             </a:fld>
           </a:p>
@@ -1359,7 +1359,7 @@
         <p:txBody>
           <a:bodyPr/>
           <a:p>
-            <a:fld id="{3E5425F8-803B-4637-B32A-4D886C928F65}" type="slidenum">
+            <a:fld id="{91E3098A-E27B-473E-887E-4B3F242D6F93}" type="slidenum">
               <a:t>&lt;#&gt;</a:t>
             </a:fld>
           </a:p>
@@ -1570,7 +1570,7 @@
         <p:txBody>
           <a:bodyPr/>
           <a:p>
-            <a:fld id="{762797BF-460F-4D10-A591-777AB81E6944}" type="slidenum">
+            <a:fld id="{077A505E-9BA1-45F9-AB0B-E72B02000C13}" type="slidenum">
               <a:t>&lt;#&gt;</a:t>
             </a:fld>
           </a:p>
@@ -1883,7 +1883,7 @@
         <p:txBody>
           <a:bodyPr/>
           <a:p>
-            <a:fld id="{1862DF2F-E234-4F7D-B6DC-3225C6C7D15B}" type="slidenum">
+            <a:fld id="{DE122133-EBFD-4F28-9986-CDBFC8752DFD}" type="slidenum">
               <a:t>&lt;#&gt;</a:t>
             </a:fld>
           </a:p>
@@ -2094,7 +2094,7 @@
         <p:txBody>
           <a:bodyPr/>
           <a:p>
-            <a:fld id="{C2510A6E-32FD-4625-9E2A-0E288EB1E15B}" type="slidenum">
+            <a:fld id="{5176F334-BAC5-418F-ABD5-989F560D923F}" type="slidenum">
               <a:t>&lt;#&gt;</a:t>
             </a:fld>
           </a:p>
@@ -2262,7 +2262,7 @@
         <p:txBody>
           <a:bodyPr/>
           <a:p>
-            <a:fld id="{D2DEAE4E-CED9-4F2E-AFB4-D3209507CE79}" type="slidenum">
+            <a:fld id="{2FF758FA-46B9-4724-B41D-9408938DE5D9}" type="slidenum">
               <a:t>&lt;#&gt;</a:t>
             </a:fld>
           </a:p>
@@ -2516,7 +2516,7 @@
         <p:txBody>
           <a:bodyPr/>
           <a:p>
-            <a:fld id="{DB09684F-6456-4275-8D25-C05D51BCAC26}" type="slidenum">
+            <a:fld id="{021F8F73-6165-445A-9F92-9904FF73AC79}" type="slidenum">
               <a:t>&lt;#&gt;</a:t>
             </a:fld>
           </a:p>
@@ -2856,7 +2856,7 @@
         <p:txBody>
           <a:bodyPr/>
           <a:p>
-            <a:fld id="{6FAB85D5-7BC8-400A-9243-9210B3017447}" type="slidenum">
+            <a:fld id="{0F4DBD53-2DFE-4FF9-BB06-7927056E4141}" type="slidenum">
               <a:t>&lt;#&gt;</a:t>
             </a:fld>
           </a:p>
@@ -4410,7 +4410,7 @@
                 <a:tab algn="l" pos="0"/>
               </a:tabLst>
             </a:pPr>
-            <a:fld id="{DFE38CFF-934F-4FE8-AF82-CB19124EAC3D}" type="slidenum">
+            <a:fld id="{8CABC1BB-B7C0-4FC9-9B1A-1E3CF7CBEB29}" type="slidenum">
               <a:rPr b="0" lang="ru-RU" sz="1000" spc="-1" strike="noStrike">
                 <a:solidFill>
                   <a:srgbClr val="888888"/>
@@ -4568,7 +4568,7 @@
                 </a:solidFill>
                 <a:latin typeface="Arial"/>
               </a:rPr>
-              <a:t>Click to </a:t>
+              <a:t>Click to edit </a:t>
             </a:r>
             <a:r>
               <a:rPr b="0" lang="en-US" sz="4100" spc="-1" strike="noStrike">
@@ -4577,7 +4577,7 @@
                 </a:solidFill>
                 <a:latin typeface="Arial"/>
               </a:rPr>
-              <a:t>edit the title </a:t>
+              <a:t>the title text </a:t>
             </a:r>
             <a:r>
               <a:rPr b="0" lang="en-US" sz="4100" spc="-1" strike="noStrike">
@@ -4586,7 +4586,7 @@
                 </a:solidFill>
                 <a:latin typeface="Arial"/>
               </a:rPr>
-              <a:t>text format</a:t>
+              <a:t>format</a:t>
             </a:r>
             <a:endParaRPr b="0" lang="en-US" sz="4100" spc="-1" strike="noStrike">
               <a:solidFill>
@@ -5139,17 +5139,7 @@
                 <a:latin typeface="Arial Black"/>
                 <a:ea typeface="Arial Black"/>
               </a:rPr>
-              <a:t>о прохождении </a:t>
-            </a:r>
-            <a:r>
-              <a:rPr b="1" lang="ru-RU" sz="2100" spc="-1" strike="noStrike">
-                <a:solidFill>
-                  <a:schemeClr val="lt1"/>
-                </a:solidFill>
-                <a:latin typeface="Arial Black"/>
-                <a:ea typeface="Arial Black"/>
-              </a:rPr>
-              <a:t>учебной практики </a:t>
+              <a:t>о прохождении учебной практики </a:t>
             </a:r>
             <a:br>
               <a:rPr sz="2100"/>
@@ -5165,27 +5155,7 @@
                 <a:latin typeface="Arial Black"/>
                 <a:ea typeface="Arial Black"/>
               </a:rPr>
-              <a:t>по </a:t>
-            </a:r>
-            <a:r>
-              <a:rPr b="1" lang="ru-RU" sz="2000" spc="-1" strike="noStrike">
-                <a:solidFill>
-                  <a:schemeClr val="lt1"/>
-                </a:solidFill>
-                <a:latin typeface="Arial Black"/>
-                <a:ea typeface="Arial Black"/>
-              </a:rPr>
-              <a:t>профессиональном</a:t>
-            </a:r>
-            <a:r>
-              <a:rPr b="1" lang="ru-RU" sz="2000" spc="-1" strike="noStrike">
-                <a:solidFill>
-                  <a:schemeClr val="lt1"/>
-                </a:solidFill>
-                <a:latin typeface="Arial Black"/>
-                <a:ea typeface="Arial Black"/>
-              </a:rPr>
-              <a:t>у модулю</a:t>
+              <a:t>по профессиональному модулю</a:t>
             </a:r>
             <a:br>
               <a:rPr sz="2000"/>
@@ -5198,47 +5168,7 @@
                 <a:latin typeface="Arial Black"/>
                 <a:ea typeface="Arial Black"/>
               </a:rPr>
-              <a:t>ПМ.03 </a:t>
-            </a:r>
-            <a:r>
-              <a:rPr b="1" lang="ru-RU" sz="2000" spc="-1" strike="noStrike">
-                <a:solidFill>
-                  <a:schemeClr val="lt1"/>
-                </a:solidFill>
-                <a:latin typeface="Arial Black"/>
-                <a:ea typeface="Arial Black"/>
-              </a:rPr>
-              <a:t>Проектирование и </a:t>
-            </a:r>
-            <a:r>
-              <a:rPr b="1" lang="ru-RU" sz="2000" spc="-1" strike="noStrike">
-                <a:solidFill>
-                  <a:schemeClr val="lt1"/>
-                </a:solidFill>
-                <a:latin typeface="Arial Black"/>
-                <a:ea typeface="Arial Black"/>
-              </a:rPr>
-              <a:t>разработка </a:t>
-            </a:r>
-            <a:r>
-              <a:rPr b="1" lang="ru-RU" sz="2000" spc="-1" strike="noStrike">
-                <a:solidFill>
-                  <a:schemeClr val="lt1"/>
-                </a:solidFill>
-                <a:latin typeface="Arial Black"/>
-                <a:ea typeface="Arial Black"/>
-              </a:rPr>
-              <a:t>информационных </a:t>
-            </a:r>
-            <a:r>
-              <a:rPr b="1" lang="ru-RU" sz="2000" spc="-1" strike="noStrike">
-                <a:solidFill>
-                  <a:schemeClr val="lt1"/>
-                </a:solidFill>
-                <a:latin typeface="Arial Black"/>
-                <a:ea typeface="Arial Black"/>
-              </a:rPr>
-              <a:t>систем</a:t>
+              <a:t>ПМ.03 Проектирование и разработка информационных систем</a:t>
             </a:r>
             <a:br>
               <a:rPr sz="2000"/>
@@ -5254,27 +5184,7 @@
                 <a:latin typeface="Arial Black"/>
                 <a:ea typeface="Arial Black"/>
               </a:rPr>
-              <a:t>в период с «01» </a:t>
-            </a:r>
-            <a:r>
-              <a:rPr b="1" lang="ru-RU" sz="2000" spc="-1" strike="noStrike">
-                <a:solidFill>
-                  <a:schemeClr val="lt1"/>
-                </a:solidFill>
-                <a:latin typeface="Arial Black"/>
-                <a:ea typeface="Arial Black"/>
-              </a:rPr>
-              <a:t>июня 2024 г. по </a:t>
-            </a:r>
-            <a:r>
-              <a:rPr b="1" lang="ru-RU" sz="2000" spc="-1" strike="noStrike">
-                <a:solidFill>
-                  <a:schemeClr val="lt1"/>
-                </a:solidFill>
-                <a:latin typeface="Arial Black"/>
-                <a:ea typeface="Arial Black"/>
-              </a:rPr>
-              <a:t>«14» июня 2024 г.</a:t>
+              <a:t>в период с «01» июня 2024 г. по «14» июня 2024 г.</a:t>
             </a:r>
             <a:br>
               <a:rPr sz="2000"/>
@@ -5290,47 +5200,7 @@
                 <a:latin typeface="Arial Black"/>
                 <a:ea typeface="Arial Black"/>
               </a:rPr>
-              <a:t> Специальность </a:t>
-            </a:r>
-            <a:r>
-              <a:rPr b="1" lang="ru-RU" sz="2000" spc="-1" strike="noStrike">
-                <a:solidFill>
-                  <a:schemeClr val="lt1"/>
-                </a:solidFill>
-                <a:latin typeface="Arial Black"/>
-                <a:ea typeface="Arial Black"/>
-              </a:rPr>
-              <a:t>09.02.07 </a:t>
-            </a:r>
-            <a:r>
-              <a:rPr b="1" lang="ru-RU" sz="2000" spc="-1" strike="noStrike">
-                <a:solidFill>
-                  <a:schemeClr val="lt1"/>
-                </a:solidFill>
-                <a:latin typeface="Arial Black"/>
-                <a:ea typeface="Arial Black"/>
-              </a:rPr>
-              <a:t>Информационные </a:t>
-            </a:r>
-            <a:r>
-              <a:rPr b="1" lang="ru-RU" sz="2000" spc="-1" strike="noStrike">
-                <a:solidFill>
-                  <a:schemeClr val="lt1"/>
-                </a:solidFill>
-                <a:latin typeface="Arial Black"/>
-                <a:ea typeface="Arial Black"/>
-              </a:rPr>
-              <a:t>системы и </a:t>
-            </a:r>
-            <a:r>
-              <a:rPr b="1" lang="ru-RU" sz="2000" spc="-1" strike="noStrike">
-                <a:solidFill>
-                  <a:schemeClr val="lt1"/>
-                </a:solidFill>
-                <a:latin typeface="Arial Black"/>
-                <a:ea typeface="Arial Black"/>
-              </a:rPr>
-              <a:t>программирование</a:t>
+              <a:t> Специальность 09.02.07 Информационные системы и программирование</a:t>
             </a:r>
             <a:br>
               <a:rPr sz="2700"/>
@@ -5812,34 +5682,7 @@
                 </a:solidFill>
                 <a:latin typeface="Arial Black"/>
               </a:rPr>
-              <a:t>Этап </a:t>
-            </a:r>
-            <a:r>
-              <a:rPr b="1" lang="ru-RU" sz="3000" spc="-1" strike="noStrike">
-                <a:solidFill>
-                  <a:schemeClr val="dk1"/>
-                </a:solidFill>
-                <a:latin typeface="Arial Black"/>
-              </a:rPr>
-              <a:t>проектирова</a:t>
-            </a:r>
-            <a:r>
-              <a:rPr b="1" lang="ru-RU" sz="3000" spc="-1" strike="noStrike">
-                <a:solidFill>
-                  <a:schemeClr val="dk1"/>
-                </a:solidFill>
-                <a:latin typeface="Arial Black"/>
-              </a:rPr>
-              <a:t>ния и </a:t>
-            </a:r>
-            <a:r>
-              <a:rPr b="1" lang="ru-RU" sz="3000" spc="-1" strike="noStrike">
-                <a:solidFill>
-                  <a:schemeClr val="dk1"/>
-                </a:solidFill>
-                <a:latin typeface="Arial Black"/>
-              </a:rPr>
-              <a:t>разработки</a:t>
+              <a:t>Этап проектирования и разработки</a:t>
             </a:r>
             <a:endParaRPr b="0" lang="en-US" sz="3000" spc="-1" strike="noStrike">
               <a:solidFill>
@@ -5947,7 +5790,16 @@
                 </a:solidFill>
                 <a:latin typeface="Arial Black"/>
               </a:rPr>
-              <a:t>Отчетный этап</a:t>
+              <a:t>Отчетный </a:t>
+            </a:r>
+            <a:r>
+              <a:rPr b="1" lang="ru-RU" sz="3000" spc="-1" strike="noStrike">
+                <a:solidFill>
+                  <a:schemeClr val="dk1"/>
+                </a:solidFill>
+                <a:latin typeface="Arial Black"/>
+              </a:rPr>
+              <a:t>этап</a:t>
             </a:r>
             <a:br>
               <a:rPr sz="3000"/>
@@ -6470,16 +6322,7 @@
                 </a:solidFill>
                 <a:latin typeface="Arial Black"/>
               </a:rPr>
-              <a:t>Отчетный </a:t>
-            </a:r>
-            <a:r>
-              <a:rPr b="1" lang="ru-RU" sz="3000" spc="-1" strike="noStrike">
-                <a:solidFill>
-                  <a:schemeClr val="dk1"/>
-                </a:solidFill>
-                <a:latin typeface="Arial Black"/>
-              </a:rPr>
-              <a:t>этап</a:t>
+              <a:t>Отчетный этап</a:t>
             </a:r>
             <a:br>
               <a:rPr sz="3000"/>
@@ -6679,7 +6522,67 @@
                 <a:latin typeface="Times New Roman"/>
                 <a:ea typeface="Times New Roman"/>
               </a:rPr>
-              <a:t>Список литературы должен включать все использованные источники. Сведения о книгах (монографиях, учебниках, пособиях, справочниках и т.д.) должны содержать: фамилию и инициалы автора, заглавие книги, место издания, издательство, год издания. При наличии трех и более авторов допускается указывать фамилию и инициалы только первого из них со словами «и др.». Издательство надо приводить полностью в именительном падеже: допускается сокращение названия только двух городов: Москва (М.) и Санкт-Петербург (СПб.).</a:t>
+              <a:t>Список литературы должен включать все использованные источники. Сведения о книгах </a:t>
+            </a:r>
+            <a:r>
+              <a:rPr b="0" lang="ru-RU" sz="1800" spc="-1" strike="noStrike">
+                <a:solidFill>
+                  <a:schemeClr val="dk1"/>
+                </a:solidFill>
+                <a:latin typeface="Times New Roman"/>
+                <a:ea typeface="Times New Roman"/>
+              </a:rPr>
+              <a:t>(монографиях, учебниках, пособиях, справочниках и т.д.) должны содержать: фамилию и </a:t>
+            </a:r>
+            <a:r>
+              <a:rPr b="0" lang="ru-RU" sz="1800" spc="-1" strike="noStrike">
+                <a:solidFill>
+                  <a:schemeClr val="dk1"/>
+                </a:solidFill>
+                <a:latin typeface="Times New Roman"/>
+                <a:ea typeface="Times New Roman"/>
+              </a:rPr>
+              <a:t>инициалы автора, заглавие книги, место издания, издательство, год издания. При наличии трех </a:t>
+            </a:r>
+            <a:r>
+              <a:rPr b="0" lang="ru-RU" sz="1800" spc="-1" strike="noStrike">
+                <a:solidFill>
+                  <a:schemeClr val="dk1"/>
+                </a:solidFill>
+                <a:latin typeface="Times New Roman"/>
+                <a:ea typeface="Times New Roman"/>
+              </a:rPr>
+              <a:t>и более авторов допускается указывать фамилию и инициалы только первого из них со </a:t>
+            </a:r>
+            <a:r>
+              <a:rPr b="0" lang="ru-RU" sz="1800" spc="-1" strike="noStrike">
+                <a:solidFill>
+                  <a:schemeClr val="dk1"/>
+                </a:solidFill>
+                <a:latin typeface="Times New Roman"/>
+                <a:ea typeface="Times New Roman"/>
+              </a:rPr>
+              <a:t>словами «и др.». Издательство надо приводить полностью в именительном падеже: </a:t>
+            </a:r>
+            <a:r>
+              <a:rPr b="0" lang="ru-RU" sz="1800" spc="-1" strike="noStrike">
+                <a:solidFill>
+                  <a:schemeClr val="dk1"/>
+                </a:solidFill>
+                <a:latin typeface="Times New Roman"/>
+                <a:ea typeface="Times New Roman"/>
+              </a:rPr>
+              <a:t>допускается сокращение названия только двух городов: Москва (М.) и Санкт-Петербург </a:t>
+            </a:r>
+            <a:r>
+              <a:rPr b="0" lang="ru-RU" sz="1800" spc="-1" strike="noStrike">
+                <a:solidFill>
+                  <a:schemeClr val="dk1"/>
+                </a:solidFill>
+                <a:latin typeface="Times New Roman"/>
+                <a:ea typeface="Times New Roman"/>
+              </a:rPr>
+              <a:t>(СПб.).</a:t>
             </a:r>
             <a:endParaRPr b="0" lang="en-US" sz="1800" spc="-1" strike="noStrike">
               <a:solidFill>
@@ -6713,7 +6616,27 @@
                 <a:latin typeface="Times New Roman"/>
                 <a:ea typeface="Times New Roman"/>
               </a:rPr>
-              <a:t>Сведения о статье из периодического издания должны включать: фамилию и инициалы автора, наименование статьи, издания (журнала), серии (если она есть), год выпуска, том (если есть), номер издания (журнала) и номера страниц, на которых помещена статья.</a:t>
+              <a:t>Сведения о статье из периодического издания должны включать: фамилию и инициалы автора, </a:t>
+            </a:r>
+            <a:r>
+              <a:rPr b="0" lang="ru-RU" sz="1800" spc="-1" strike="noStrike">
+                <a:solidFill>
+                  <a:schemeClr val="dk1"/>
+                </a:solidFill>
+                <a:latin typeface="Times New Roman"/>
+                <a:ea typeface="Times New Roman"/>
+              </a:rPr>
+              <a:t>наименование статьи, издания (журнала), серии (если она есть), год выпуска, том (если есть), </a:t>
+            </a:r>
+            <a:r>
+              <a:rPr b="0" lang="ru-RU" sz="1800" spc="-1" strike="noStrike">
+                <a:solidFill>
+                  <a:schemeClr val="dk1"/>
+                </a:solidFill>
+                <a:latin typeface="Times New Roman"/>
+                <a:ea typeface="Times New Roman"/>
+              </a:rPr>
+              <a:t>номер издания (журнала) и номера страниц, на которых помещена статья.</a:t>
             </a:r>
             <a:endParaRPr b="0" lang="en-US" sz="1800" spc="-1" strike="noStrike">
               <a:solidFill>
@@ -6747,7 +6670,17 @@
                 <a:latin typeface="Times New Roman"/>
                 <a:ea typeface="Times New Roman"/>
               </a:rPr>
-              <a:t>При ссылке на источник из списка литературы (особенно при обзоре аналогов) надо указывать порядковый номер по списку литературы, заключенный в квадратные скобки; например: [5].</a:t>
+              <a:t>При ссылке на источник из списка литературы (особенно при обзоре аналогов) надо указывать </a:t>
+            </a:r>
+            <a:r>
+              <a:rPr b="0" lang="ru-RU" sz="1800" spc="-1" strike="noStrike">
+                <a:solidFill>
+                  <a:schemeClr val="dk1"/>
+                </a:solidFill>
+                <a:latin typeface="Times New Roman"/>
+                <a:ea typeface="Times New Roman"/>
+              </a:rPr>
+              <a:t>порядковый номер по списку литературы, заключенный в квадратные скобки; например: [5].</a:t>
             </a:r>
             <a:endParaRPr b="0" lang="en-US" sz="1800" spc="-1" strike="noStrike">
               <a:solidFill>
@@ -7769,7 +7702,27 @@
                 <a:latin typeface="Times New Roman"/>
                 <a:ea typeface="Times New Roman"/>
               </a:rPr>
-              <a:t>3.1. Создание формы авторизации.docx</a:t>
+              <a:t>3.1. </a:t>
+            </a:r>
+            <a:r>
+              <a:rPr b="0" lang="ru-RU" sz="2400" spc="-1" strike="noStrike">
+                <a:solidFill>
+                  <a:schemeClr val="dk1"/>
+                </a:solidFill>
+                <a:latin typeface="Times New Roman"/>
+                <a:ea typeface="Times New Roman"/>
+              </a:rPr>
+              <a:t>Создание проекта, первые шаги</a:t>
+            </a:r>
+            <a:r>
+              <a:rPr b="0" lang="ru-RU" sz="2400" spc="-1" strike="noStrike">
+                <a:solidFill>
+                  <a:schemeClr val="dk1"/>
+                </a:solidFill>
+                <a:latin typeface="Times New Roman"/>
+                <a:ea typeface="Times New Roman"/>
+              </a:rPr>
+              <a:t>.docx</a:t>
             </a:r>
             <a:endParaRPr b="0" lang="en-US" sz="2400" spc="-1" strike="noStrike">
               <a:solidFill>
@@ -8856,7 +8809,7 @@
                 </a:solidFill>
                 <a:latin typeface="Arial Black"/>
               </a:rPr>
-              <a:t>Организаци</a:t>
+              <a:t>Организацио</a:t>
             </a:r>
             <a:r>
               <a:rPr b="1" lang="ru-RU" sz="3000" spc="-1" strike="noStrike">
@@ -8865,7 +8818,7 @@
                 </a:solidFill>
                 <a:latin typeface="Arial Black"/>
               </a:rPr>
-              <a:t>онный этап</a:t>
+              <a:t>нный этап</a:t>
             </a:r>
             <a:endParaRPr b="0" lang="en-US" sz="3000" spc="-1" strike="noStrike">
               <a:solidFill>
@@ -9034,7 +8987,16 @@
                 </a:solidFill>
                 <a:latin typeface="Arial Black"/>
               </a:rPr>
-              <a:t>Подготовительный этап</a:t>
+              <a:t>Подготовите</a:t>
+            </a:r>
+            <a:r>
+              <a:rPr b="1" lang="ru-RU" sz="3000" spc="-1" strike="noStrike">
+                <a:solidFill>
+                  <a:schemeClr val="dk1"/>
+                </a:solidFill>
+                <a:latin typeface="Arial Black"/>
+              </a:rPr>
+              <a:t>льный этап</a:t>
             </a:r>
             <a:br>
               <a:rPr sz="1800"/>
@@ -9215,25 +9177,7 @@
                 </a:solidFill>
                 <a:latin typeface="Arial Black"/>
               </a:rPr>
-              <a:t>Исследоват</a:t>
-            </a:r>
-            <a:r>
-              <a:rPr b="1" lang="ru-RU" sz="3000" spc="-1" strike="noStrike">
-                <a:solidFill>
-                  <a:schemeClr val="dk1"/>
-                </a:solidFill>
-                <a:latin typeface="Arial Black"/>
-              </a:rPr>
-              <a:t>ельский </a:t>
-            </a:r>
-            <a:r>
-              <a:rPr b="1" lang="ru-RU" sz="3000" spc="-1" strike="noStrike">
-                <a:solidFill>
-                  <a:schemeClr val="dk1"/>
-                </a:solidFill>
-                <a:latin typeface="Arial Black"/>
-              </a:rPr>
-              <a:t>этап</a:t>
+              <a:t>Исследовательский этап</a:t>
             </a:r>
             <a:br>
               <a:rPr sz="3000"/>
@@ -9550,7 +9494,34 @@
                 </a:solidFill>
                 <a:latin typeface="Arial Black"/>
               </a:rPr>
-              <a:t>Этап проектирования и разработки</a:t>
+              <a:t>Этап </a:t>
+            </a:r>
+            <a:r>
+              <a:rPr b="1" lang="ru-RU" sz="3000" spc="-1" strike="noStrike">
+                <a:solidFill>
+                  <a:schemeClr val="dk1"/>
+                </a:solidFill>
+                <a:latin typeface="Arial Black"/>
+              </a:rPr>
+              <a:t>проектиров</a:t>
+            </a:r>
+            <a:r>
+              <a:rPr b="1" lang="ru-RU" sz="3000" spc="-1" strike="noStrike">
+                <a:solidFill>
+                  <a:schemeClr val="dk1"/>
+                </a:solidFill>
+                <a:latin typeface="Arial Black"/>
+              </a:rPr>
+              <a:t>ания и </a:t>
+            </a:r>
+            <a:r>
+              <a:rPr b="1" lang="ru-RU" sz="3000" spc="-1" strike="noStrike">
+                <a:solidFill>
+                  <a:schemeClr val="dk1"/>
+                </a:solidFill>
+                <a:latin typeface="Arial Black"/>
+              </a:rPr>
+              <a:t>разработки</a:t>
             </a:r>
             <a:endParaRPr b="0" lang="en-US" sz="3000" spc="-1" strike="noStrike">
               <a:solidFill>
@@ -9728,7 +9699,34 @@
                 </a:solidFill>
                 <a:latin typeface="Arial"/>
               </a:rPr>
-              <a:t>Применение алгоритмов обработки информации для различных приложений, решение прикладных вопросов программирования и языка сценариев для создания программ, разработка графического интерфейса приложения, управление созданным проектом по разработке приложения, проектирование и разработка системы по заданным требованиям и спецификациям</a:t>
+              <a:t>Применение алгоритмов обработки информации для различных приложений, решение прикладных </a:t>
+            </a:r>
+            <a:r>
+              <a:rPr b="0" lang="ru-RU" sz="1600" spc="-1" strike="noStrike">
+                <a:solidFill>
+                  <a:srgbClr val="e60000"/>
+                </a:solidFill>
+                <a:latin typeface="Arial"/>
+              </a:rPr>
+              <a:t>вопросов программирования и языка сценариев для создания программ, разработка графического </a:t>
+            </a:r>
+            <a:r>
+              <a:rPr b="0" lang="ru-RU" sz="1600" spc="-1" strike="noStrike">
+                <a:solidFill>
+                  <a:srgbClr val="e60000"/>
+                </a:solidFill>
+                <a:latin typeface="Arial"/>
+              </a:rPr>
+              <a:t>интерфейса приложения, управление созданным проектом по разработке приложения, </a:t>
+            </a:r>
+            <a:r>
+              <a:rPr b="0" lang="ru-RU" sz="1600" spc="-1" strike="noStrike">
+                <a:solidFill>
+                  <a:srgbClr val="e60000"/>
+                </a:solidFill>
+                <a:latin typeface="Arial"/>
+              </a:rPr>
+              <a:t>проектирование и разработка системы по заданным требованиям и спецификациям</a:t>
             </a:r>
             <a:endParaRPr b="0" lang="en-US" sz="1600" spc="-1" strike="noStrike">
               <a:solidFill>
@@ -9792,7 +9790,7 @@
                 </a:solidFill>
                 <a:latin typeface="Arial Black"/>
               </a:rPr>
-              <a:t>проектирова</a:t>
+              <a:t>проектиров</a:t>
             </a:r>
             <a:r>
               <a:rPr b="1" lang="ru-RU" sz="3000" spc="-1" strike="noStrike">
@@ -9801,7 +9799,7 @@
                 </a:solidFill>
                 <a:latin typeface="Arial Black"/>
               </a:rPr>
-              <a:t>ния и </a:t>
+              <a:t>ания и </a:t>
             </a:r>
             <a:r>
               <a:rPr b="1" lang="ru-RU" sz="3000" spc="-1" strike="noStrike">
@@ -9921,34 +9919,7 @@
                 </a:solidFill>
                 <a:latin typeface="Arial"/>
               </a:rPr>
-              <a:t>Применение алгоритмов обработки информации для различных приложений, решение прикладных </a:t>
-            </a:r>
-            <a:r>
-              <a:rPr b="0" lang="ru-RU" sz="1600" spc="-1" strike="noStrike">
-                <a:solidFill>
-                  <a:srgbClr val="e60000"/>
-                </a:solidFill>
-                <a:latin typeface="Arial"/>
-              </a:rPr>
-              <a:t>вопросов программирования и языка сценариев для создания программ, разработка графического </a:t>
-            </a:r>
-            <a:r>
-              <a:rPr b="0" lang="ru-RU" sz="1600" spc="-1" strike="noStrike">
-                <a:solidFill>
-                  <a:srgbClr val="e60000"/>
-                </a:solidFill>
-                <a:latin typeface="Arial"/>
-              </a:rPr>
-              <a:t>интерфейса приложения, управление созданным проектом по разработке приложения, </a:t>
-            </a:r>
-            <a:r>
-              <a:rPr b="0" lang="ru-RU" sz="1600" spc="-1" strike="noStrike">
-                <a:solidFill>
-                  <a:srgbClr val="e60000"/>
-                </a:solidFill>
-                <a:latin typeface="Arial"/>
-              </a:rPr>
-              <a:t>проектирование и разработка системы по заданным требованиям и спецификациям</a:t>
+              <a:t>Применение алгоритмов обработки информации для различных приложений, решение прикладных вопросов программирования и языка сценариев для создания программ, разработка графического интерфейса приложения, управление созданным проектом по разработке приложения, проектирование и разработка системы по заданным требованиям и спецификациям</a:t>
             </a:r>
             <a:endParaRPr b="0" lang="en-US" sz="1600" spc="-1" strike="noStrike">
               <a:solidFill>
